--- a/resources/MasterDocs/icons.pptx
+++ b/resources/MasterDocs/icons.pptx
@@ -329,7 +329,7 @@
               <a:pPr>
                 <a:defRPr/>
               </a:pPr>
-              <a:t>25-6-2018</a:t>
+              <a:t>16-7-2018</a:t>
             </a:fld>
             <a:endParaRPr lang="nl-NL"/>
           </a:p>
@@ -526,7 +526,7 @@
               <a:pPr>
                 <a:defRPr/>
               </a:pPr>
-              <a:t>25-6-2018</a:t>
+              <a:t>16-7-2018</a:t>
             </a:fld>
             <a:endParaRPr lang="nl-NL"/>
           </a:p>
@@ -733,7 +733,7 @@
               <a:pPr>
                 <a:defRPr/>
               </a:pPr>
-              <a:t>25-6-2018</a:t>
+              <a:t>16-7-2018</a:t>
             </a:fld>
             <a:endParaRPr lang="nl-NL"/>
           </a:p>
@@ -930,7 +930,7 @@
               <a:pPr>
                 <a:defRPr/>
               </a:pPr>
-              <a:t>25-6-2018</a:t>
+              <a:t>16-7-2018</a:t>
             </a:fld>
             <a:endParaRPr lang="nl-NL"/>
           </a:p>
@@ -1203,7 +1203,7 @@
               <a:pPr>
                 <a:defRPr/>
               </a:pPr>
-              <a:t>25-6-2018</a:t>
+              <a:t>16-7-2018</a:t>
             </a:fld>
             <a:endParaRPr lang="nl-NL"/>
           </a:p>
@@ -1518,7 +1518,7 @@
               <a:pPr>
                 <a:defRPr/>
               </a:pPr>
-              <a:t>25-6-2018</a:t>
+              <a:t>16-7-2018</a:t>
             </a:fld>
             <a:endParaRPr lang="nl-NL"/>
           </a:p>
@@ -1967,7 +1967,7 @@
               <a:pPr>
                 <a:defRPr/>
               </a:pPr>
-              <a:t>25-6-2018</a:t>
+              <a:t>16-7-2018</a:t>
             </a:fld>
             <a:endParaRPr lang="nl-NL"/>
           </a:p>
@@ -2112,7 +2112,7 @@
               <a:pPr>
                 <a:defRPr/>
               </a:pPr>
-              <a:t>25-6-2018</a:t>
+              <a:t>16-7-2018</a:t>
             </a:fld>
             <a:endParaRPr lang="nl-NL"/>
           </a:p>
@@ -2234,7 +2234,7 @@
               <a:pPr>
                 <a:defRPr/>
               </a:pPr>
-              <a:t>25-6-2018</a:t>
+              <a:t>16-7-2018</a:t>
             </a:fld>
             <a:endParaRPr lang="nl-NL"/>
           </a:p>
@@ -2538,7 +2538,7 @@
               <a:pPr>
                 <a:defRPr/>
               </a:pPr>
-              <a:t>25-6-2018</a:t>
+              <a:t>16-7-2018</a:t>
             </a:fld>
             <a:endParaRPr lang="nl-NL"/>
           </a:p>
@@ -2825,7 +2825,7 @@
               <a:pPr>
                 <a:defRPr/>
               </a:pPr>
-              <a:t>25-6-2018</a:t>
+              <a:t>16-7-2018</a:t>
             </a:fld>
             <a:endParaRPr lang="nl-NL"/>
           </a:p>
@@ -3121,7 +3121,7 @@
               <a:pPr>
                 <a:defRPr/>
               </a:pPr>
-              <a:t>25-6-2018</a:t>
+              <a:t>16-7-2018</a:t>
             </a:fld>
             <a:endParaRPr lang="nl-NL"/>
           </a:p>
@@ -6200,6 +6200,352 @@
           </a:p>
         </p:txBody>
       </p:sp>
+      <p:grpSp>
+        <p:nvGrpSpPr>
+          <p:cNvPr id="13" name="Groep 12"/>
+          <p:cNvGrpSpPr/>
+          <p:nvPr/>
+        </p:nvGrpSpPr>
+        <p:grpSpPr>
+          <a:xfrm>
+            <a:off x="1054180" y="1084098"/>
+            <a:ext cx="538083" cy="1840846"/>
+            <a:chOff x="1054180" y="1084098"/>
+            <a:chExt cx="538083" cy="1840846"/>
+          </a:xfrm>
+        </p:grpSpPr>
+        <p:sp>
+          <p:nvSpPr>
+            <p:cNvPr id="2" name="Afgeronde rechthoek 1"/>
+            <p:cNvSpPr/>
+            <p:nvPr/>
+          </p:nvSpPr>
+          <p:spPr>
+            <a:xfrm>
+              <a:off x="1055688" y="1084098"/>
+              <a:ext cx="536575" cy="130666"/>
+            </a:xfrm>
+            <a:prstGeom prst="roundRect">
+              <a:avLst/>
+            </a:prstGeom>
+            <a:solidFill>
+              <a:schemeClr val="tx1"/>
+            </a:solidFill>
+            <a:ln w="101600">
+              <a:solidFill>
+                <a:schemeClr val="tx1"/>
+              </a:solidFill>
+            </a:ln>
+          </p:spPr>
+          <p:style>
+            <a:lnRef idx="2">
+              <a:schemeClr val="accent1">
+                <a:shade val="50000"/>
+              </a:schemeClr>
+            </a:lnRef>
+            <a:fillRef idx="1">
+              <a:schemeClr val="accent1"/>
+            </a:fillRef>
+            <a:effectRef idx="0">
+              <a:schemeClr val="accent1"/>
+            </a:effectRef>
+            <a:fontRef idx="minor">
+              <a:schemeClr val="lt1"/>
+            </a:fontRef>
+          </p:style>
+          <p:txBody>
+            <a:bodyPr anchor="ctr"/>
+            <a:lstStyle/>
+            <a:p>
+              <a:pPr algn="ctr" fontAlgn="auto">
+                <a:spcBef>
+                  <a:spcPts val="0"/>
+                </a:spcBef>
+                <a:spcAft>
+                  <a:spcPts val="0"/>
+                </a:spcAft>
+              </a:pPr>
+              <a:endParaRPr lang="nl-NL"/>
+            </a:p>
+          </p:txBody>
+        </p:sp>
+        <p:sp>
+          <p:nvSpPr>
+            <p:cNvPr id="3" name="Rechthoek 2"/>
+            <p:cNvSpPr/>
+            <p:nvPr/>
+          </p:nvSpPr>
+          <p:spPr>
+            <a:xfrm>
+              <a:off x="1055689" y="1368425"/>
+              <a:ext cx="536574" cy="1060285"/>
+            </a:xfrm>
+            <a:prstGeom prst="rect">
+              <a:avLst/>
+            </a:prstGeom>
+            <a:solidFill>
+              <a:schemeClr val="bg1"/>
+            </a:solidFill>
+            <a:ln w="101600">
+              <a:solidFill>
+                <a:schemeClr val="tx1"/>
+              </a:solidFill>
+              <a:miter lim="800000"/>
+            </a:ln>
+          </p:spPr>
+          <p:style>
+            <a:lnRef idx="2">
+              <a:schemeClr val="accent1">
+                <a:shade val="50000"/>
+              </a:schemeClr>
+            </a:lnRef>
+            <a:fillRef idx="1">
+              <a:schemeClr val="accent1"/>
+            </a:fillRef>
+            <a:effectRef idx="0">
+              <a:schemeClr val="accent1"/>
+            </a:effectRef>
+            <a:fontRef idx="minor">
+              <a:schemeClr val="lt1"/>
+            </a:fontRef>
+          </p:style>
+          <p:txBody>
+            <a:bodyPr anchor="ctr"/>
+            <a:lstStyle/>
+            <a:p>
+              <a:pPr algn="ctr" fontAlgn="auto">
+                <a:spcBef>
+                  <a:spcPts val="0"/>
+                </a:spcBef>
+                <a:spcAft>
+                  <a:spcPts val="0"/>
+                </a:spcAft>
+              </a:pPr>
+              <a:endParaRPr lang="nl-NL"/>
+            </a:p>
+          </p:txBody>
+        </p:sp>
+        <p:sp>
+          <p:nvSpPr>
+            <p:cNvPr id="6" name="Gelijkbenige driehoek 5"/>
+            <p:cNvSpPr/>
+            <p:nvPr/>
+          </p:nvSpPr>
+          <p:spPr>
+            <a:xfrm flipV="1">
+              <a:off x="1055689" y="2471514"/>
+              <a:ext cx="536574" cy="453430"/>
+            </a:xfrm>
+            <a:prstGeom prst="triangle">
+              <a:avLst/>
+            </a:prstGeom>
+            <a:solidFill>
+              <a:schemeClr val="bg1"/>
+            </a:solidFill>
+            <a:ln w="101600">
+              <a:solidFill>
+                <a:schemeClr val="tx1"/>
+              </a:solidFill>
+            </a:ln>
+          </p:spPr>
+          <p:style>
+            <a:lnRef idx="2">
+              <a:schemeClr val="accent1">
+                <a:shade val="50000"/>
+              </a:schemeClr>
+            </a:lnRef>
+            <a:fillRef idx="1">
+              <a:schemeClr val="accent1"/>
+            </a:fillRef>
+            <a:effectRef idx="0">
+              <a:schemeClr val="accent1"/>
+            </a:effectRef>
+            <a:fontRef idx="minor">
+              <a:schemeClr val="lt1"/>
+            </a:fontRef>
+          </p:style>
+          <p:txBody>
+            <a:bodyPr anchor="ctr"/>
+            <a:lstStyle/>
+            <a:p>
+              <a:pPr algn="ctr" fontAlgn="auto">
+                <a:spcBef>
+                  <a:spcPts val="0"/>
+                </a:spcBef>
+                <a:spcAft>
+                  <a:spcPts val="0"/>
+                </a:spcAft>
+              </a:pPr>
+              <a:endParaRPr lang="nl-NL"/>
+            </a:p>
+          </p:txBody>
+        </p:sp>
+        <p:sp>
+          <p:nvSpPr>
+            <p:cNvPr id="61" name="Gelijkbenige driehoek 60"/>
+            <p:cNvSpPr/>
+            <p:nvPr/>
+          </p:nvSpPr>
+          <p:spPr>
+            <a:xfrm flipV="1">
+              <a:off x="1206981" y="2708919"/>
+              <a:ext cx="241261" cy="210738"/>
+            </a:xfrm>
+            <a:prstGeom prst="triangle">
+              <a:avLst/>
+            </a:prstGeom>
+            <a:solidFill>
+              <a:schemeClr val="tx1"/>
+            </a:solidFill>
+            <a:ln w="101600">
+              <a:noFill/>
+            </a:ln>
+          </p:spPr>
+          <p:style>
+            <a:lnRef idx="2">
+              <a:schemeClr val="accent1">
+                <a:shade val="50000"/>
+              </a:schemeClr>
+            </a:lnRef>
+            <a:fillRef idx="1">
+              <a:schemeClr val="accent1"/>
+            </a:fillRef>
+            <a:effectRef idx="0">
+              <a:schemeClr val="accent1"/>
+            </a:effectRef>
+            <a:fontRef idx="minor">
+              <a:schemeClr val="lt1"/>
+            </a:fontRef>
+          </p:style>
+          <p:txBody>
+            <a:bodyPr anchor="ctr"/>
+            <a:lstStyle/>
+            <a:p>
+              <a:pPr algn="ctr" fontAlgn="auto">
+                <a:spcBef>
+                  <a:spcPts val="0"/>
+                </a:spcBef>
+                <a:spcAft>
+                  <a:spcPts val="0"/>
+                </a:spcAft>
+              </a:pPr>
+              <a:endParaRPr lang="nl-NL"/>
+            </a:p>
+          </p:txBody>
+        </p:sp>
+        <p:sp>
+          <p:nvSpPr>
+            <p:cNvPr id="12" name="Rechthoek 11"/>
+            <p:cNvSpPr/>
+            <p:nvPr/>
+          </p:nvSpPr>
+          <p:spPr>
+            <a:xfrm>
+              <a:off x="1105768" y="1412776"/>
+              <a:ext cx="436609" cy="1013398"/>
+            </a:xfrm>
+            <a:prstGeom prst="rect">
+              <a:avLst/>
+            </a:prstGeom>
+            <a:solidFill>
+              <a:schemeClr val="bg1"/>
+            </a:solidFill>
+            <a:ln w="101600">
+              <a:noFill/>
+              <a:miter lim="800000"/>
+            </a:ln>
+          </p:spPr>
+          <p:style>
+            <a:lnRef idx="2">
+              <a:schemeClr val="accent1">
+                <a:shade val="50000"/>
+              </a:schemeClr>
+            </a:lnRef>
+            <a:fillRef idx="1">
+              <a:schemeClr val="accent1"/>
+            </a:fillRef>
+            <a:effectRef idx="0">
+              <a:schemeClr val="accent1"/>
+            </a:effectRef>
+            <a:fontRef idx="minor">
+              <a:schemeClr val="lt1"/>
+            </a:fontRef>
+          </p:style>
+          <p:txBody>
+            <a:bodyPr anchor="ctr"/>
+            <a:lstStyle/>
+            <a:p>
+              <a:pPr algn="ctr" fontAlgn="auto">
+                <a:spcBef>
+                  <a:spcPts val="0"/>
+                </a:spcBef>
+                <a:spcAft>
+                  <a:spcPts val="0"/>
+                </a:spcAft>
+              </a:pPr>
+              <a:endParaRPr lang="nl-NL"/>
+            </a:p>
+          </p:txBody>
+        </p:sp>
+        <p:sp>
+          <p:nvSpPr>
+            <p:cNvPr id="62" name="Afgeronde rechthoek 61"/>
+            <p:cNvSpPr/>
+            <p:nvPr/>
+          </p:nvSpPr>
+          <p:spPr>
+            <a:xfrm>
+              <a:off x="1054180" y="1165368"/>
+              <a:ext cx="536575" cy="51197"/>
+            </a:xfrm>
+            <a:prstGeom prst="roundRect">
+              <a:avLst>
+                <a:gd name="adj" fmla="val 0"/>
+              </a:avLst>
+            </a:prstGeom>
+            <a:solidFill>
+              <a:schemeClr val="tx1"/>
+            </a:solidFill>
+            <a:ln w="101600">
+              <a:solidFill>
+                <a:schemeClr val="tx1"/>
+              </a:solidFill>
+              <a:miter lim="800000"/>
+            </a:ln>
+          </p:spPr>
+          <p:style>
+            <a:lnRef idx="2">
+              <a:schemeClr val="accent1">
+                <a:shade val="50000"/>
+              </a:schemeClr>
+            </a:lnRef>
+            <a:fillRef idx="1">
+              <a:schemeClr val="accent1"/>
+            </a:fillRef>
+            <a:effectRef idx="0">
+              <a:schemeClr val="accent1"/>
+            </a:effectRef>
+            <a:fontRef idx="minor">
+              <a:schemeClr val="lt1"/>
+            </a:fontRef>
+          </p:style>
+          <p:txBody>
+            <a:bodyPr anchor="ctr"/>
+            <a:lstStyle/>
+            <a:p>
+              <a:pPr algn="ctr" fontAlgn="auto">
+                <a:spcBef>
+                  <a:spcPts val="0"/>
+                </a:spcBef>
+                <a:spcAft>
+                  <a:spcPts val="0"/>
+                </a:spcAft>
+              </a:pPr>
+              <a:endParaRPr lang="nl-NL"/>
+            </a:p>
+          </p:txBody>
+        </p:sp>
+      </p:grpSp>
     </p:spTree>
   </p:cSld>
   <p:clrMapOvr>
@@ -9352,6 +9698,826 @@
           </p:sp>
         </p:grpSp>
       </p:grpSp>
+      <p:sp>
+        <p:nvSpPr>
+          <p:cNvPr id="71" name="Rechthoek 70"/>
+          <p:cNvSpPr/>
+          <p:nvPr/>
+        </p:nvSpPr>
+        <p:spPr>
+          <a:xfrm>
+            <a:off x="7277482" y="4467934"/>
+            <a:ext cx="1503363" cy="1717675"/>
+          </a:xfrm>
+          <a:prstGeom prst="rect">
+            <a:avLst/>
+          </a:prstGeom>
+          <a:solidFill>
+            <a:schemeClr val="tx1"/>
+          </a:solidFill>
+          <a:ln>
+            <a:solidFill>
+              <a:schemeClr val="bg1"/>
+            </a:solidFill>
+          </a:ln>
+        </p:spPr>
+        <p:style>
+          <a:lnRef idx="2">
+            <a:schemeClr val="accent1">
+              <a:shade val="50000"/>
+            </a:schemeClr>
+          </a:lnRef>
+          <a:fillRef idx="1">
+            <a:schemeClr val="accent1"/>
+          </a:fillRef>
+          <a:effectRef idx="0">
+            <a:schemeClr val="accent1"/>
+          </a:effectRef>
+          <a:fontRef idx="minor">
+            <a:schemeClr val="lt1"/>
+          </a:fontRef>
+        </p:style>
+        <p:txBody>
+          <a:bodyPr anchor="ctr"/>
+          <a:lstStyle/>
+          <a:p>
+            <a:pPr algn="ctr" fontAlgn="auto">
+              <a:spcBef>
+                <a:spcPts val="0"/>
+              </a:spcBef>
+              <a:spcAft>
+                <a:spcPts val="0"/>
+              </a:spcAft>
+              <a:defRPr/>
+            </a:pPr>
+            <a:endParaRPr lang="nl-NL"/>
+          </a:p>
+        </p:txBody>
+      </p:sp>
+      <p:grpSp>
+        <p:nvGrpSpPr>
+          <p:cNvPr id="64" name="Groep 63"/>
+          <p:cNvGrpSpPr/>
+          <p:nvPr/>
+        </p:nvGrpSpPr>
+        <p:grpSpPr>
+          <a:xfrm rot="2127871">
+            <a:off x="7700901" y="4529521"/>
+            <a:ext cx="442936" cy="1647748"/>
+            <a:chOff x="1054180" y="1084098"/>
+            <a:chExt cx="538083" cy="1840846"/>
+          </a:xfrm>
+        </p:grpSpPr>
+        <p:sp>
+          <p:nvSpPr>
+            <p:cNvPr id="65" name="Afgeronde rechthoek 64"/>
+            <p:cNvSpPr/>
+            <p:nvPr/>
+          </p:nvSpPr>
+          <p:spPr>
+            <a:xfrm>
+              <a:off x="1055688" y="1084098"/>
+              <a:ext cx="536575" cy="130666"/>
+            </a:xfrm>
+            <a:prstGeom prst="roundRect">
+              <a:avLst/>
+            </a:prstGeom>
+            <a:solidFill>
+              <a:schemeClr val="bg1"/>
+            </a:solidFill>
+            <a:ln w="101600">
+              <a:solidFill>
+                <a:schemeClr val="bg1"/>
+              </a:solidFill>
+            </a:ln>
+          </p:spPr>
+          <p:style>
+            <a:lnRef idx="2">
+              <a:schemeClr val="accent1">
+                <a:shade val="50000"/>
+              </a:schemeClr>
+            </a:lnRef>
+            <a:fillRef idx="1">
+              <a:schemeClr val="accent1"/>
+            </a:fillRef>
+            <a:effectRef idx="0">
+              <a:schemeClr val="accent1"/>
+            </a:effectRef>
+            <a:fontRef idx="minor">
+              <a:schemeClr val="lt1"/>
+            </a:fontRef>
+          </p:style>
+          <p:txBody>
+            <a:bodyPr anchor="ctr"/>
+            <a:lstStyle/>
+            <a:p>
+              <a:pPr algn="ctr" fontAlgn="auto">
+                <a:spcBef>
+                  <a:spcPts val="0"/>
+                </a:spcBef>
+                <a:spcAft>
+                  <a:spcPts val="0"/>
+                </a:spcAft>
+              </a:pPr>
+              <a:endParaRPr lang="nl-NL"/>
+            </a:p>
+          </p:txBody>
+        </p:sp>
+        <p:sp>
+          <p:nvSpPr>
+            <p:cNvPr id="66" name="Rechthoek 65"/>
+            <p:cNvSpPr/>
+            <p:nvPr/>
+          </p:nvSpPr>
+          <p:spPr>
+            <a:xfrm>
+              <a:off x="1055689" y="1368425"/>
+              <a:ext cx="536574" cy="1060285"/>
+            </a:xfrm>
+            <a:prstGeom prst="rect">
+              <a:avLst/>
+            </a:prstGeom>
+            <a:solidFill>
+              <a:schemeClr val="bg1"/>
+            </a:solidFill>
+            <a:ln w="101600">
+              <a:solidFill>
+                <a:schemeClr val="bg1"/>
+              </a:solidFill>
+              <a:miter lim="800000"/>
+            </a:ln>
+          </p:spPr>
+          <p:style>
+            <a:lnRef idx="2">
+              <a:schemeClr val="accent1">
+                <a:shade val="50000"/>
+              </a:schemeClr>
+            </a:lnRef>
+            <a:fillRef idx="1">
+              <a:schemeClr val="accent1"/>
+            </a:fillRef>
+            <a:effectRef idx="0">
+              <a:schemeClr val="accent1"/>
+            </a:effectRef>
+            <a:fontRef idx="minor">
+              <a:schemeClr val="lt1"/>
+            </a:fontRef>
+          </p:style>
+          <p:txBody>
+            <a:bodyPr anchor="ctr"/>
+            <a:lstStyle/>
+            <a:p>
+              <a:pPr algn="ctr" fontAlgn="auto">
+                <a:spcBef>
+                  <a:spcPts val="0"/>
+                </a:spcBef>
+                <a:spcAft>
+                  <a:spcPts val="0"/>
+                </a:spcAft>
+              </a:pPr>
+              <a:endParaRPr lang="nl-NL"/>
+            </a:p>
+          </p:txBody>
+        </p:sp>
+        <p:sp>
+          <p:nvSpPr>
+            <p:cNvPr id="67" name="Gelijkbenige driehoek 66"/>
+            <p:cNvSpPr/>
+            <p:nvPr/>
+          </p:nvSpPr>
+          <p:spPr>
+            <a:xfrm flipV="1">
+              <a:off x="1055689" y="2471514"/>
+              <a:ext cx="536574" cy="453430"/>
+            </a:xfrm>
+            <a:prstGeom prst="triangle">
+              <a:avLst/>
+            </a:prstGeom>
+            <a:solidFill>
+              <a:schemeClr val="tx1"/>
+            </a:solidFill>
+            <a:ln w="101600">
+              <a:solidFill>
+                <a:schemeClr val="bg1"/>
+              </a:solidFill>
+            </a:ln>
+          </p:spPr>
+          <p:style>
+            <a:lnRef idx="2">
+              <a:schemeClr val="accent1">
+                <a:shade val="50000"/>
+              </a:schemeClr>
+            </a:lnRef>
+            <a:fillRef idx="1">
+              <a:schemeClr val="accent1"/>
+            </a:fillRef>
+            <a:effectRef idx="0">
+              <a:schemeClr val="accent1"/>
+            </a:effectRef>
+            <a:fontRef idx="minor">
+              <a:schemeClr val="lt1"/>
+            </a:fontRef>
+          </p:style>
+          <p:txBody>
+            <a:bodyPr anchor="ctr"/>
+            <a:lstStyle/>
+            <a:p>
+              <a:pPr algn="ctr" fontAlgn="auto">
+                <a:spcBef>
+                  <a:spcPts val="0"/>
+                </a:spcBef>
+                <a:spcAft>
+                  <a:spcPts val="0"/>
+                </a:spcAft>
+              </a:pPr>
+              <a:endParaRPr lang="nl-NL"/>
+            </a:p>
+          </p:txBody>
+        </p:sp>
+        <p:sp>
+          <p:nvSpPr>
+            <p:cNvPr id="68" name="Gelijkbenige driehoek 67"/>
+            <p:cNvSpPr/>
+            <p:nvPr/>
+          </p:nvSpPr>
+          <p:spPr>
+            <a:xfrm flipV="1">
+              <a:off x="1206981" y="2708919"/>
+              <a:ext cx="241261" cy="210738"/>
+            </a:xfrm>
+            <a:prstGeom prst="triangle">
+              <a:avLst/>
+            </a:prstGeom>
+            <a:solidFill>
+              <a:schemeClr val="bg1"/>
+            </a:solidFill>
+            <a:ln w="101600">
+              <a:noFill/>
+            </a:ln>
+          </p:spPr>
+          <p:style>
+            <a:lnRef idx="2">
+              <a:schemeClr val="accent1">
+                <a:shade val="50000"/>
+              </a:schemeClr>
+            </a:lnRef>
+            <a:fillRef idx="1">
+              <a:schemeClr val="accent1"/>
+            </a:fillRef>
+            <a:effectRef idx="0">
+              <a:schemeClr val="accent1"/>
+            </a:effectRef>
+            <a:fontRef idx="minor">
+              <a:schemeClr val="lt1"/>
+            </a:fontRef>
+          </p:style>
+          <p:txBody>
+            <a:bodyPr anchor="ctr"/>
+            <a:lstStyle/>
+            <a:p>
+              <a:pPr algn="ctr" fontAlgn="auto">
+                <a:spcBef>
+                  <a:spcPts val="0"/>
+                </a:spcBef>
+                <a:spcAft>
+                  <a:spcPts val="0"/>
+                </a:spcAft>
+              </a:pPr>
+              <a:endParaRPr lang="nl-NL"/>
+            </a:p>
+          </p:txBody>
+        </p:sp>
+        <p:sp>
+          <p:nvSpPr>
+            <p:cNvPr id="69" name="Rechthoek 68"/>
+            <p:cNvSpPr/>
+            <p:nvPr/>
+          </p:nvSpPr>
+          <p:spPr>
+            <a:xfrm>
+              <a:off x="1105768" y="1412776"/>
+              <a:ext cx="436609" cy="1013398"/>
+            </a:xfrm>
+            <a:prstGeom prst="rect">
+              <a:avLst/>
+            </a:prstGeom>
+            <a:solidFill>
+              <a:schemeClr val="tx1"/>
+            </a:solidFill>
+            <a:ln w="101600">
+              <a:noFill/>
+              <a:miter lim="800000"/>
+            </a:ln>
+          </p:spPr>
+          <p:style>
+            <a:lnRef idx="2">
+              <a:schemeClr val="accent1">
+                <a:shade val="50000"/>
+              </a:schemeClr>
+            </a:lnRef>
+            <a:fillRef idx="1">
+              <a:schemeClr val="accent1"/>
+            </a:fillRef>
+            <a:effectRef idx="0">
+              <a:schemeClr val="accent1"/>
+            </a:effectRef>
+            <a:fontRef idx="minor">
+              <a:schemeClr val="lt1"/>
+            </a:fontRef>
+          </p:style>
+          <p:txBody>
+            <a:bodyPr anchor="ctr"/>
+            <a:lstStyle/>
+            <a:p>
+              <a:pPr algn="ctr" fontAlgn="auto">
+                <a:spcBef>
+                  <a:spcPts val="0"/>
+                </a:spcBef>
+                <a:spcAft>
+                  <a:spcPts val="0"/>
+                </a:spcAft>
+              </a:pPr>
+              <a:endParaRPr lang="nl-NL"/>
+            </a:p>
+          </p:txBody>
+        </p:sp>
+        <p:sp>
+          <p:nvSpPr>
+            <p:cNvPr id="70" name="Afgeronde rechthoek 69"/>
+            <p:cNvSpPr/>
+            <p:nvPr/>
+          </p:nvSpPr>
+          <p:spPr>
+            <a:xfrm>
+              <a:off x="1054180" y="1165368"/>
+              <a:ext cx="536575" cy="51197"/>
+            </a:xfrm>
+            <a:prstGeom prst="roundRect">
+              <a:avLst>
+                <a:gd name="adj" fmla="val 0"/>
+              </a:avLst>
+            </a:prstGeom>
+            <a:solidFill>
+              <a:schemeClr val="bg1"/>
+            </a:solidFill>
+            <a:ln w="101600">
+              <a:solidFill>
+                <a:schemeClr val="bg1"/>
+              </a:solidFill>
+              <a:miter lim="800000"/>
+            </a:ln>
+          </p:spPr>
+          <p:style>
+            <a:lnRef idx="2">
+              <a:schemeClr val="accent1">
+                <a:shade val="50000"/>
+              </a:schemeClr>
+            </a:lnRef>
+            <a:fillRef idx="1">
+              <a:schemeClr val="accent1"/>
+            </a:fillRef>
+            <a:effectRef idx="0">
+              <a:schemeClr val="accent1"/>
+            </a:effectRef>
+            <a:fontRef idx="minor">
+              <a:schemeClr val="lt1"/>
+            </a:fontRef>
+          </p:style>
+          <p:txBody>
+            <a:bodyPr anchor="ctr"/>
+            <a:lstStyle/>
+            <a:p>
+              <a:pPr algn="ctr" fontAlgn="auto">
+                <a:spcBef>
+                  <a:spcPts val="0"/>
+                </a:spcBef>
+                <a:spcAft>
+                  <a:spcPts val="0"/>
+                </a:spcAft>
+              </a:pPr>
+              <a:endParaRPr lang="nl-NL"/>
+            </a:p>
+          </p:txBody>
+        </p:sp>
+      </p:grpSp>
+      <p:sp>
+        <p:nvSpPr>
+          <p:cNvPr id="72" name="Rechthoek 71"/>
+          <p:cNvSpPr/>
+          <p:nvPr/>
+        </p:nvSpPr>
+        <p:spPr>
+          <a:xfrm>
+            <a:off x="7265739" y="2359154"/>
+            <a:ext cx="1503363" cy="1717675"/>
+          </a:xfrm>
+          <a:prstGeom prst="rect">
+            <a:avLst/>
+          </a:prstGeom>
+          <a:solidFill>
+            <a:schemeClr val="tx1"/>
+          </a:solidFill>
+          <a:ln>
+            <a:solidFill>
+              <a:schemeClr val="bg1"/>
+            </a:solidFill>
+          </a:ln>
+        </p:spPr>
+        <p:style>
+          <a:lnRef idx="2">
+            <a:schemeClr val="accent1">
+              <a:shade val="50000"/>
+            </a:schemeClr>
+          </a:lnRef>
+          <a:fillRef idx="1">
+            <a:schemeClr val="accent1"/>
+          </a:fillRef>
+          <a:effectRef idx="0">
+            <a:schemeClr val="accent1"/>
+          </a:effectRef>
+          <a:fontRef idx="minor">
+            <a:schemeClr val="lt1"/>
+          </a:fontRef>
+        </p:style>
+        <p:txBody>
+          <a:bodyPr anchor="ctr"/>
+          <a:lstStyle/>
+          <a:p>
+            <a:pPr algn="ctr" fontAlgn="auto">
+              <a:spcBef>
+                <a:spcPts val="0"/>
+              </a:spcBef>
+              <a:spcAft>
+                <a:spcPts val="0"/>
+              </a:spcAft>
+              <a:defRPr/>
+            </a:pPr>
+            <a:endParaRPr lang="nl-NL"/>
+          </a:p>
+        </p:txBody>
+      </p:sp>
+      <p:grpSp>
+        <p:nvGrpSpPr>
+          <p:cNvPr id="73" name="Groep 72"/>
+          <p:cNvGrpSpPr/>
+          <p:nvPr/>
+        </p:nvGrpSpPr>
+        <p:grpSpPr>
+          <a:xfrm rot="2127871">
+            <a:off x="7689158" y="2420741"/>
+            <a:ext cx="442936" cy="1647748"/>
+            <a:chOff x="1054180" y="1084098"/>
+            <a:chExt cx="538083" cy="1840846"/>
+          </a:xfrm>
+        </p:grpSpPr>
+        <p:sp>
+          <p:nvSpPr>
+            <p:cNvPr id="74" name="Afgeronde rechthoek 73"/>
+            <p:cNvSpPr/>
+            <p:nvPr/>
+          </p:nvSpPr>
+          <p:spPr>
+            <a:xfrm>
+              <a:off x="1055688" y="1084098"/>
+              <a:ext cx="536575" cy="130666"/>
+            </a:xfrm>
+            <a:prstGeom prst="roundRect">
+              <a:avLst/>
+            </a:prstGeom>
+            <a:solidFill>
+              <a:schemeClr val="bg1">
+                <a:lumMod val="75000"/>
+              </a:schemeClr>
+            </a:solidFill>
+            <a:ln w="101600">
+              <a:solidFill>
+                <a:schemeClr val="bg1">
+                  <a:lumMod val="75000"/>
+                </a:schemeClr>
+              </a:solidFill>
+            </a:ln>
+          </p:spPr>
+          <p:style>
+            <a:lnRef idx="2">
+              <a:schemeClr val="accent1">
+                <a:shade val="50000"/>
+              </a:schemeClr>
+            </a:lnRef>
+            <a:fillRef idx="1">
+              <a:schemeClr val="accent1"/>
+            </a:fillRef>
+            <a:effectRef idx="0">
+              <a:schemeClr val="accent1"/>
+            </a:effectRef>
+            <a:fontRef idx="minor">
+              <a:schemeClr val="lt1"/>
+            </a:fontRef>
+          </p:style>
+          <p:txBody>
+            <a:bodyPr anchor="ctr"/>
+            <a:lstStyle/>
+            <a:p>
+              <a:pPr algn="ctr" fontAlgn="auto">
+                <a:spcBef>
+                  <a:spcPts val="0"/>
+                </a:spcBef>
+                <a:spcAft>
+                  <a:spcPts val="0"/>
+                </a:spcAft>
+              </a:pPr>
+              <a:endParaRPr lang="nl-NL"/>
+            </a:p>
+          </p:txBody>
+        </p:sp>
+        <p:sp>
+          <p:nvSpPr>
+            <p:cNvPr id="75" name="Rechthoek 74"/>
+            <p:cNvSpPr/>
+            <p:nvPr/>
+          </p:nvSpPr>
+          <p:spPr>
+            <a:xfrm>
+              <a:off x="1055689" y="1368425"/>
+              <a:ext cx="536574" cy="1060285"/>
+            </a:xfrm>
+            <a:prstGeom prst="rect">
+              <a:avLst/>
+            </a:prstGeom>
+            <a:solidFill>
+              <a:schemeClr val="bg1">
+                <a:lumMod val="75000"/>
+              </a:schemeClr>
+            </a:solidFill>
+            <a:ln w="101600">
+              <a:solidFill>
+                <a:schemeClr val="bg1">
+                  <a:lumMod val="75000"/>
+                </a:schemeClr>
+              </a:solidFill>
+              <a:miter lim="800000"/>
+            </a:ln>
+          </p:spPr>
+          <p:style>
+            <a:lnRef idx="2">
+              <a:schemeClr val="accent1">
+                <a:shade val="50000"/>
+              </a:schemeClr>
+            </a:lnRef>
+            <a:fillRef idx="1">
+              <a:schemeClr val="accent1"/>
+            </a:fillRef>
+            <a:effectRef idx="0">
+              <a:schemeClr val="accent1"/>
+            </a:effectRef>
+            <a:fontRef idx="minor">
+              <a:schemeClr val="lt1"/>
+            </a:fontRef>
+          </p:style>
+          <p:txBody>
+            <a:bodyPr anchor="ctr"/>
+            <a:lstStyle/>
+            <a:p>
+              <a:pPr algn="ctr" fontAlgn="auto">
+                <a:spcBef>
+                  <a:spcPts val="0"/>
+                </a:spcBef>
+                <a:spcAft>
+                  <a:spcPts val="0"/>
+                </a:spcAft>
+              </a:pPr>
+              <a:endParaRPr lang="nl-NL"/>
+            </a:p>
+          </p:txBody>
+        </p:sp>
+        <p:sp>
+          <p:nvSpPr>
+            <p:cNvPr id="76" name="Gelijkbenige driehoek 75"/>
+            <p:cNvSpPr/>
+            <p:nvPr/>
+          </p:nvSpPr>
+          <p:spPr>
+            <a:xfrm flipV="1">
+              <a:off x="1055689" y="2471514"/>
+              <a:ext cx="536574" cy="453430"/>
+            </a:xfrm>
+            <a:prstGeom prst="triangle">
+              <a:avLst/>
+            </a:prstGeom>
+            <a:solidFill>
+              <a:schemeClr val="tx1"/>
+            </a:solidFill>
+            <a:ln w="101600">
+              <a:solidFill>
+                <a:schemeClr val="bg1">
+                  <a:lumMod val="75000"/>
+                </a:schemeClr>
+              </a:solidFill>
+            </a:ln>
+          </p:spPr>
+          <p:style>
+            <a:lnRef idx="2">
+              <a:schemeClr val="accent1">
+                <a:shade val="50000"/>
+              </a:schemeClr>
+            </a:lnRef>
+            <a:fillRef idx="1">
+              <a:schemeClr val="accent1"/>
+            </a:fillRef>
+            <a:effectRef idx="0">
+              <a:schemeClr val="accent1"/>
+            </a:effectRef>
+            <a:fontRef idx="minor">
+              <a:schemeClr val="lt1"/>
+            </a:fontRef>
+          </p:style>
+          <p:txBody>
+            <a:bodyPr anchor="ctr"/>
+            <a:lstStyle/>
+            <a:p>
+              <a:pPr algn="ctr" fontAlgn="auto">
+                <a:spcBef>
+                  <a:spcPts val="0"/>
+                </a:spcBef>
+                <a:spcAft>
+                  <a:spcPts val="0"/>
+                </a:spcAft>
+              </a:pPr>
+              <a:endParaRPr lang="nl-NL"/>
+            </a:p>
+          </p:txBody>
+        </p:sp>
+        <p:sp>
+          <p:nvSpPr>
+            <p:cNvPr id="77" name="Gelijkbenige driehoek 76"/>
+            <p:cNvSpPr/>
+            <p:nvPr/>
+          </p:nvSpPr>
+          <p:spPr>
+            <a:xfrm flipV="1">
+              <a:off x="1206981" y="2708919"/>
+              <a:ext cx="241261" cy="210738"/>
+            </a:xfrm>
+            <a:prstGeom prst="triangle">
+              <a:avLst/>
+            </a:prstGeom>
+            <a:solidFill>
+              <a:schemeClr val="bg1">
+                <a:lumMod val="75000"/>
+              </a:schemeClr>
+            </a:solidFill>
+            <a:ln w="101600">
+              <a:noFill/>
+            </a:ln>
+          </p:spPr>
+          <p:style>
+            <a:lnRef idx="2">
+              <a:schemeClr val="accent1">
+                <a:shade val="50000"/>
+              </a:schemeClr>
+            </a:lnRef>
+            <a:fillRef idx="1">
+              <a:schemeClr val="accent1"/>
+            </a:fillRef>
+            <a:effectRef idx="0">
+              <a:schemeClr val="accent1"/>
+            </a:effectRef>
+            <a:fontRef idx="minor">
+              <a:schemeClr val="lt1"/>
+            </a:fontRef>
+          </p:style>
+          <p:txBody>
+            <a:bodyPr anchor="ctr"/>
+            <a:lstStyle/>
+            <a:p>
+              <a:pPr algn="ctr" fontAlgn="auto">
+                <a:spcBef>
+                  <a:spcPts val="0"/>
+                </a:spcBef>
+                <a:spcAft>
+                  <a:spcPts val="0"/>
+                </a:spcAft>
+              </a:pPr>
+              <a:endParaRPr lang="nl-NL"/>
+            </a:p>
+          </p:txBody>
+        </p:sp>
+        <p:sp>
+          <p:nvSpPr>
+            <p:cNvPr id="78" name="Rechthoek 77"/>
+            <p:cNvSpPr/>
+            <p:nvPr/>
+          </p:nvSpPr>
+          <p:spPr>
+            <a:xfrm>
+              <a:off x="1105768" y="1412776"/>
+              <a:ext cx="436609" cy="1013398"/>
+            </a:xfrm>
+            <a:prstGeom prst="rect">
+              <a:avLst/>
+            </a:prstGeom>
+            <a:solidFill>
+              <a:schemeClr val="tx1"/>
+            </a:solidFill>
+            <a:ln w="101600">
+              <a:noFill/>
+              <a:miter lim="800000"/>
+            </a:ln>
+          </p:spPr>
+          <p:style>
+            <a:lnRef idx="2">
+              <a:schemeClr val="accent1">
+                <a:shade val="50000"/>
+              </a:schemeClr>
+            </a:lnRef>
+            <a:fillRef idx="1">
+              <a:schemeClr val="accent1"/>
+            </a:fillRef>
+            <a:effectRef idx="0">
+              <a:schemeClr val="accent1"/>
+            </a:effectRef>
+            <a:fontRef idx="minor">
+              <a:schemeClr val="lt1"/>
+            </a:fontRef>
+          </p:style>
+          <p:txBody>
+            <a:bodyPr anchor="ctr"/>
+            <a:lstStyle/>
+            <a:p>
+              <a:pPr algn="ctr" fontAlgn="auto">
+                <a:spcBef>
+                  <a:spcPts val="0"/>
+                </a:spcBef>
+                <a:spcAft>
+                  <a:spcPts val="0"/>
+                </a:spcAft>
+              </a:pPr>
+              <a:endParaRPr lang="nl-NL"/>
+            </a:p>
+          </p:txBody>
+        </p:sp>
+        <p:sp>
+          <p:nvSpPr>
+            <p:cNvPr id="79" name="Afgeronde rechthoek 78"/>
+            <p:cNvSpPr/>
+            <p:nvPr/>
+          </p:nvSpPr>
+          <p:spPr>
+            <a:xfrm>
+              <a:off x="1054180" y="1165368"/>
+              <a:ext cx="536575" cy="51197"/>
+            </a:xfrm>
+            <a:prstGeom prst="roundRect">
+              <a:avLst>
+                <a:gd name="adj" fmla="val 0"/>
+              </a:avLst>
+            </a:prstGeom>
+            <a:solidFill>
+              <a:schemeClr val="bg1">
+                <a:lumMod val="75000"/>
+              </a:schemeClr>
+            </a:solidFill>
+            <a:ln w="101600">
+              <a:solidFill>
+                <a:schemeClr val="bg1">
+                  <a:lumMod val="75000"/>
+                </a:schemeClr>
+              </a:solidFill>
+              <a:miter lim="800000"/>
+            </a:ln>
+          </p:spPr>
+          <p:style>
+            <a:lnRef idx="2">
+              <a:schemeClr val="accent1">
+                <a:shade val="50000"/>
+              </a:schemeClr>
+            </a:lnRef>
+            <a:fillRef idx="1">
+              <a:schemeClr val="accent1"/>
+            </a:fillRef>
+            <a:effectRef idx="0">
+              <a:schemeClr val="accent1"/>
+            </a:effectRef>
+            <a:fontRef idx="minor">
+              <a:schemeClr val="lt1"/>
+            </a:fontRef>
+          </p:style>
+          <p:txBody>
+            <a:bodyPr anchor="ctr"/>
+            <a:lstStyle/>
+            <a:p>
+              <a:pPr algn="ctr" fontAlgn="auto">
+                <a:spcBef>
+                  <a:spcPts val="0"/>
+                </a:spcBef>
+                <a:spcAft>
+                  <a:spcPts val="0"/>
+                </a:spcAft>
+              </a:pPr>
+              <a:endParaRPr lang="nl-NL"/>
+            </a:p>
+          </p:txBody>
+        </p:sp>
+      </p:grpSp>
     </p:spTree>
   </p:cSld>
   <p:clrMapOvr>
